--- a/Berlin-Staatsoper/Programm-Other/_Fidelio (2023.10.18)/Fidelio.pptx
+++ b/Berlin-Staatsoper/Programm-Other/_Fidelio (2023.10.18)/Fidelio.pptx
@@ -109,16 +109,6 @@
     </a:lvl9pPr>
   </p:defaultTextStyle>
   <p:extLst>
-    <p:ext uri="{521415D9-36F7-43E2-AB2F-B90AF26B5E84}">
-      <p14:sectionLst xmlns:p14="http://schemas.microsoft.com/office/powerpoint/2010/main">
-        <p14:section name="Wagner-Der fliegende Holländer (2023.06.03)" id="{04CCD857-992A-43CF-B7FE-93BFB92D8208}">
-          <p14:sldIdLst>
-            <p14:sldId id="524"/>
-            <p14:sldId id="577"/>
-          </p14:sldIdLst>
-        </p14:section>
-      </p14:sectionLst>
-    </p:ext>
     <p:ext uri="{EFAFB233-063F-42B5-8137-9DF3F51BA10A}">
       <p15:sldGuideLst xmlns:p15="http://schemas.microsoft.com/office/powerpoint/2012/main"/>
     </p:ext>
@@ -3321,6 +3311,14 @@
 <file path=ppt/slides/slide1.xml><?xml version="1.0" encoding="utf-8"?>
 <p:sld xmlns:a="http://schemas.openxmlformats.org/drawingml/2006/main" xmlns:r="http://schemas.openxmlformats.org/officeDocument/2006/relationships" xmlns:p="http://schemas.openxmlformats.org/presentationml/2006/main">
   <p:cSld>
+    <p:bg>
+      <p:bgPr>
+        <a:solidFill>
+          <a:schemeClr val="bg1"/>
+        </a:solidFill>
+        <a:effectLst/>
+      </p:bgPr>
+    </p:bg>
     <p:spTree>
       <p:nvGrpSpPr>
         <p:cNvPr id="1" name=""/>
@@ -3335,9 +3333,163 @@
           <a:chExt cx="0" cy="0"/>
         </a:xfrm>
       </p:grpSpPr>
+      <p:sp useBgFill="1">
+        <p:nvSpPr>
+          <p:cNvPr id="32" name="Rectangle 31">
+            <a:extLst>
+              <a:ext uri="{FF2B5EF4-FFF2-40B4-BE49-F238E27FC236}">
+                <a16:creationId xmlns:a16="http://schemas.microsoft.com/office/drawing/2014/main" id="{262ABC4B-37D8-4218-BDD8-6DF6A00C0C80}"/>
+              </a:ext>
+              <a:ext uri="{C183D7F6-B498-43B3-948B-1728B52AA6E4}">
+                <adec:decorative xmlns:adec="http://schemas.microsoft.com/office/drawing/2017/decorative" val="1"/>
+              </a:ext>
+            </a:extLst>
+          </p:cNvPr>
+          <p:cNvSpPr>
+            <a:spLocks noGrp="1" noRot="1" noChangeAspect="1" noMove="1" noResize="1" noEditPoints="1" noAdjustHandles="1" noChangeArrowheads="1" noChangeShapeType="1" noTextEdit="1"/>
+          </p:cNvSpPr>
+          <p:nvPr>
+            <p:extLst>
+              <p:ext uri="{386F3935-93C4-4BCD-93E2-E3B085C9AB24}">
+                <p16:designElem xmlns:p16="http://schemas.microsoft.com/office/powerpoint/2015/main" val="1"/>
+              </p:ext>
+            </p:extLst>
+          </p:nvPr>
+        </p:nvSpPr>
+        <p:spPr bwMode="white">
+          <a:xfrm>
+            <a:off x="1238" y="0"/>
+            <a:ext cx="9903523" cy="6858000"/>
+          </a:xfrm>
+          <a:prstGeom prst="rect">
+            <a:avLst/>
+          </a:prstGeom>
+          <a:ln>
+            <a:noFill/>
+          </a:ln>
+        </p:spPr>
+        <p:style>
+          <a:lnRef idx="2">
+            <a:schemeClr val="accent1">
+              <a:shade val="50000"/>
+            </a:schemeClr>
+          </a:lnRef>
+          <a:fillRef idx="1">
+            <a:schemeClr val="accent1"/>
+          </a:fillRef>
+          <a:effectRef idx="0">
+            <a:schemeClr val="accent1"/>
+          </a:effectRef>
+          <a:fontRef idx="minor">
+            <a:schemeClr val="lt1"/>
+          </a:fontRef>
+        </p:style>
+        <p:txBody>
+          <a:bodyPr rtlCol="0" anchor="ctr"/>
+          <a:lstStyle>
+            <a:defPPr>
+              <a:defRPr lang="en-US"/>
+            </a:defPPr>
+            <a:lvl1pPr marL="0" algn="l" defTabSz="914400" rtl="0" eaLnBrk="1" latinLnBrk="0" hangingPunct="1">
+              <a:defRPr sz="1800" kern="1200">
+                <a:solidFill>
+                  <a:schemeClr val="lt1"/>
+                </a:solidFill>
+                <a:latin typeface="+mn-lt"/>
+                <a:ea typeface="+mn-ea"/>
+                <a:cs typeface="+mn-cs"/>
+              </a:defRPr>
+            </a:lvl1pPr>
+            <a:lvl2pPr marL="457200" algn="l" defTabSz="914400" rtl="0" eaLnBrk="1" latinLnBrk="0" hangingPunct="1">
+              <a:defRPr sz="1800" kern="1200">
+                <a:solidFill>
+                  <a:schemeClr val="lt1"/>
+                </a:solidFill>
+                <a:latin typeface="+mn-lt"/>
+                <a:ea typeface="+mn-ea"/>
+                <a:cs typeface="+mn-cs"/>
+              </a:defRPr>
+            </a:lvl2pPr>
+            <a:lvl3pPr marL="914400" algn="l" defTabSz="914400" rtl="0" eaLnBrk="1" latinLnBrk="0" hangingPunct="1">
+              <a:defRPr sz="1800" kern="1200">
+                <a:solidFill>
+                  <a:schemeClr val="lt1"/>
+                </a:solidFill>
+                <a:latin typeface="+mn-lt"/>
+                <a:ea typeface="+mn-ea"/>
+                <a:cs typeface="+mn-cs"/>
+              </a:defRPr>
+            </a:lvl3pPr>
+            <a:lvl4pPr marL="1371600" algn="l" defTabSz="914400" rtl="0" eaLnBrk="1" latinLnBrk="0" hangingPunct="1">
+              <a:defRPr sz="1800" kern="1200">
+                <a:solidFill>
+                  <a:schemeClr val="lt1"/>
+                </a:solidFill>
+                <a:latin typeface="+mn-lt"/>
+                <a:ea typeface="+mn-ea"/>
+                <a:cs typeface="+mn-cs"/>
+              </a:defRPr>
+            </a:lvl4pPr>
+            <a:lvl5pPr marL="1828800" algn="l" defTabSz="914400" rtl="0" eaLnBrk="1" latinLnBrk="0" hangingPunct="1">
+              <a:defRPr sz="1800" kern="1200">
+                <a:solidFill>
+                  <a:schemeClr val="lt1"/>
+                </a:solidFill>
+                <a:latin typeface="+mn-lt"/>
+                <a:ea typeface="+mn-ea"/>
+                <a:cs typeface="+mn-cs"/>
+              </a:defRPr>
+            </a:lvl5pPr>
+            <a:lvl6pPr marL="2286000" algn="l" defTabSz="914400" rtl="0" eaLnBrk="1" latinLnBrk="0" hangingPunct="1">
+              <a:defRPr sz="1800" kern="1200">
+                <a:solidFill>
+                  <a:schemeClr val="lt1"/>
+                </a:solidFill>
+                <a:latin typeface="+mn-lt"/>
+                <a:ea typeface="+mn-ea"/>
+                <a:cs typeface="+mn-cs"/>
+              </a:defRPr>
+            </a:lvl6pPr>
+            <a:lvl7pPr marL="2743200" algn="l" defTabSz="914400" rtl="0" eaLnBrk="1" latinLnBrk="0" hangingPunct="1">
+              <a:defRPr sz="1800" kern="1200">
+                <a:solidFill>
+                  <a:schemeClr val="lt1"/>
+                </a:solidFill>
+                <a:latin typeface="+mn-lt"/>
+                <a:ea typeface="+mn-ea"/>
+                <a:cs typeface="+mn-cs"/>
+              </a:defRPr>
+            </a:lvl7pPr>
+            <a:lvl8pPr marL="3200400" algn="l" defTabSz="914400" rtl="0" eaLnBrk="1" latinLnBrk="0" hangingPunct="1">
+              <a:defRPr sz="1800" kern="1200">
+                <a:solidFill>
+                  <a:schemeClr val="lt1"/>
+                </a:solidFill>
+                <a:latin typeface="+mn-lt"/>
+                <a:ea typeface="+mn-ea"/>
+                <a:cs typeface="+mn-cs"/>
+              </a:defRPr>
+            </a:lvl8pPr>
+            <a:lvl9pPr marL="3657600" algn="l" defTabSz="914400" rtl="0" eaLnBrk="1" latinLnBrk="0" hangingPunct="1">
+              <a:defRPr sz="1800" kern="1200">
+                <a:solidFill>
+                  <a:schemeClr val="lt1"/>
+                </a:solidFill>
+                <a:latin typeface="+mn-lt"/>
+                <a:ea typeface="+mn-ea"/>
+                <a:cs typeface="+mn-cs"/>
+              </a:defRPr>
+            </a:lvl9pPr>
+          </a:lstStyle>
+          <a:p>
+            <a:pPr algn="ctr"/>
+            <a:endParaRPr lang="en-US"/>
+          </a:p>
+        </p:txBody>
+      </p:sp>
       <p:pic>
         <p:nvPicPr>
-          <p:cNvPr id="9" name="Grafik 8">
+          <p:cNvPr id="9" name="Grafik 8" descr="A white building with columns and statues&#10;&#10;Description automatically generated">
             <a:extLst>
               <a:ext uri="{FF2B5EF4-FFF2-40B4-BE49-F238E27FC236}">
                 <a16:creationId xmlns:a16="http://schemas.microsoft.com/office/drawing/2014/main" id="{F2CC38FF-19C1-FC61-6AF7-A89B2E5BD763}"/>
@@ -3357,7 +3509,7 @@
               </a:ext>
             </a:extLst>
           </a:blip>
-          <a:srcRect l="6166" r="4821" b="-2"/>
+          <a:srcRect l="6543" r="4444" b="-2"/>
           <a:stretch/>
         </p:blipFill>
         <p:spPr>
@@ -3372,10 +3524,10 @@
       </p:pic>
       <p:pic>
         <p:nvPicPr>
-          <p:cNvPr id="27" name="Grafik 26" descr="Ein Bild, das Text, Screenshot, Dokument enthält.&#10;&#10;Automatisch generierte Beschreibung">
+          <p:cNvPr id="5" name="Picture 4" descr="A black and blue cover with blue text&#10;&#10;Description automatically generated">
             <a:extLst>
               <a:ext uri="{FF2B5EF4-FFF2-40B4-BE49-F238E27FC236}">
-                <a16:creationId xmlns:a16="http://schemas.microsoft.com/office/drawing/2014/main" id="{2F99FFD4-06E1-B71C-4747-433ACBF5556C}"/>
+                <a16:creationId xmlns:a16="http://schemas.microsoft.com/office/drawing/2014/main" id="{75911BE1-64EF-6ECB-EAFF-37AAC295CEC1}"/>
               </a:ext>
             </a:extLst>
           </p:cNvPr>
@@ -3398,8 +3550,8 @@
         </p:blipFill>
         <p:spPr>
           <a:xfrm>
-            <a:off x="0" y="3429000"/>
-            <a:ext cx="4954809" cy="3017405"/>
+            <a:off x="4953000" y="74544"/>
+            <a:ext cx="4953000" cy="6783456"/>
           </a:xfrm>
           <a:prstGeom prst="rect">
             <a:avLst/>
@@ -3408,10 +3560,10 @@
       </p:pic>
       <p:pic>
         <p:nvPicPr>
-          <p:cNvPr id="29" name="Grafik 28">
+          <p:cNvPr id="7" name="Picture 6">
             <a:extLst>
               <a:ext uri="{FF2B5EF4-FFF2-40B4-BE49-F238E27FC236}">
-                <a16:creationId xmlns:a16="http://schemas.microsoft.com/office/drawing/2014/main" id="{DDC3DCBD-DB4E-D776-2DFA-8DEEC284F451}"/>
+                <a16:creationId xmlns:a16="http://schemas.microsoft.com/office/drawing/2014/main" id="{5ACFD0A7-4571-61E1-C2CD-EAFA0F70BB57}"/>
               </a:ext>
             </a:extLst>
           </p:cNvPr>
@@ -3428,8 +3580,8 @@
         </p:blipFill>
         <p:spPr>
           <a:xfrm>
-            <a:off x="5084762" y="444617"/>
-            <a:ext cx="4678363" cy="5956807"/>
+            <a:off x="-5404" y="3660869"/>
+            <a:ext cx="4957165" cy="3017405"/>
           </a:xfrm>
           <a:prstGeom prst="rect">
             <a:avLst/>
@@ -3481,7 +3633,7 @@
         <p:spPr>
           <a:xfrm>
             <a:off x="-698" y="0"/>
-            <a:ext cx="4951140" cy="3785652"/>
+            <a:ext cx="4951140" cy="3323987"/>
           </a:xfrm>
           <a:prstGeom prst="rect">
             <a:avLst/>
@@ -3501,9 +3653,9 @@
                   <a:srgbClr val="B66B6B"/>
                 </a:solidFill>
                 <a:effectLst/>
-                <a:latin typeface="Helvetica Neue"/>
+                <a:latin typeface="Helvetica Neue" panose="02000503000000020004" pitchFamily="2" charset="0"/>
               </a:rPr>
-              <a:t>剧情简介</a:t>
+              <a:t>情节</a:t>
             </a:r>
           </a:p>
           <a:p>
@@ -3517,9 +3669,9 @@
                   <a:srgbClr val="222222"/>
                 </a:solidFill>
                 <a:effectLst/>
-                <a:latin typeface="Helvetica Neue"/>
+                <a:latin typeface="Helvetica Neue" panose="02000503000000020004" pitchFamily="2" charset="0"/>
               </a:rPr>
-              <a:t>第一幕 挪威峡湾海岸边</a:t>
+              <a:t>第一幕</a:t>
             </a:r>
           </a:p>
           <a:p>
@@ -3533,185 +3685,57 @@
                   <a:srgbClr val="222222"/>
                 </a:solidFill>
                 <a:effectLst/>
-                <a:latin typeface="Helvetica Neue"/>
+                <a:latin typeface="Helvetica Neue" panose="02000503000000020004" pitchFamily="2" charset="0"/>
               </a:rPr>
-              <a:t>一艘挪威船为了躲避海上突如其来的暴风雨，暂时驶进挪威南部的峡湾海港中避难，船长达朗德指挥水手们安定船只，待风雨过后再行出发。他吩咐舵手留守 在甲板上观察后续状况，便和其它水手下船舱休息。舵手为了打发时间、同时避免自己打瞌睡，于是唱起思念家乡情人的短歌，但没多久，就因体力不支而陷入梦 乡。 就在此时，一艘有着血红色大帆、漆黑色船桅、看来气氛诡异的船只逐渐靠近挪威船，这就是传说中的「幽灵船」。待幽灵船停妥后，船上走下一位面容憔悴苍白的 男子，他就是受上天诅咒的荷兰船长</a:t>
-            </a:r>
-            <a:r>
-              <a:rPr lang="en-US" altLang="zh-CN" sz="1000" b="0" i="0" dirty="0">
-                <a:solidFill>
-                  <a:srgbClr val="222222"/>
-                </a:solidFill>
-                <a:effectLst/>
-                <a:latin typeface="Helvetica Neue"/>
-              </a:rPr>
-              <a:t>;</a:t>
-            </a:r>
+              <a:t>政治犯典狱长皮扎罗怕自己的罪行被弗洛伦斯坦揭发，罗织了罪名让弗洛伦斯坦入狱。弗洛伦斯坦之妻利奥诺拉女扮男装并化名费德里奥潜入监狱，到监狱看 守罗可手下工作。罗可的女儿马捷琳娜爱上了费德里奥，并且冷落自己的未婚夫雅丘诺。费德里奥利用罗可对自己的信任，说服罗可，让自己也可以跟随着与囚犯接 触。但罗可有一个条件，就是费德里奥不能接近一名被特别关闭的囚犯。利奥诺拉猜想，这就是自己的丈夫。</a:t>
+            </a:r>
+          </a:p>
+          <a:p>
+            <a:pPr algn="l">
+              <a:buFont typeface="Arial" panose="020B0604020202020204" pitchFamily="34" charset="0"/>
+              <a:buChar char="•"/>
+            </a:pPr>
             <a:r>
               <a:rPr lang="zh-CN" altLang="en-US" sz="1000" b="0" i="0" dirty="0">
                 <a:solidFill>
                   <a:srgbClr val="222222"/>
                 </a:solidFill>
                 <a:effectLst/>
-                <a:latin typeface="Helvetica Neue"/>
+                <a:latin typeface="Helvetica Neue" panose="02000503000000020004" pitchFamily="2" charset="0"/>
               </a:rPr>
-              <a:t>荷兰船长感叹自己受上天的命运，虽然他曾尝试以自杀、或是将船开向礁石猛力撞击，但都达不到解脱的效果，因为上天所赐 予他的，就是「求生不得、求死不能」的长期折磨。他何尝不希望能够找到一位真心爱他的女子，但是这么多年来</a:t>
-            </a:r>
-            <a:r>
-              <a:rPr lang="en-US" altLang="zh-CN" sz="1000" b="0" i="0" dirty="0">
-                <a:solidFill>
-                  <a:srgbClr val="222222"/>
-                </a:solidFill>
-                <a:effectLst/>
-                <a:latin typeface="Helvetica Neue"/>
-              </a:rPr>
-              <a:t>(</a:t>
-            </a:r>
+              <a:t>皮扎罗来视察，因为他收到风声，大臣会来监狱视察，所以他一下子就提高了警觉。若大臣发现了弗洛伦斯坦没死，真相就会暴露。所以不是弗洛伦斯坦死， 就是他亡。他命令罗可下手谋杀掉弗洛伦斯坦。罗可开始还拒绝，但后来在金钱的诱惑下还是服从了。他要和费德里奥为弗洛伦斯坦挖一个墓。利奥诺拉十分愤怒， 她请求罗可，让囚犯们出来透透气，暗中观察一下，丈夫可在里面。但遗憾在囚犯中并不见弗洛伦斯坦的身影。皮扎罗对罗可十分愤怒。</a:t>
+            </a:r>
+          </a:p>
+          <a:p>
+            <a:pPr algn="l">
+              <a:buFont typeface="Arial" panose="020B0604020202020204" pitchFamily="34" charset="0"/>
+              <a:buChar char="•"/>
+            </a:pPr>
             <a:r>
               <a:rPr lang="zh-CN" altLang="en-US" sz="1000" b="0" i="0" dirty="0">
                 <a:solidFill>
                   <a:srgbClr val="222222"/>
                 </a:solidFill>
                 <a:effectLst/>
-                <a:latin typeface="Helvetica Neue"/>
+                <a:latin typeface="Helvetica Neue" panose="02000503000000020004" pitchFamily="2" charset="0"/>
               </a:rPr>
-              <a:t>注：荷兰船长在海上已经漂流了不知有多少个年 头</a:t>
-            </a:r>
-            <a:r>
-              <a:rPr lang="en-US" altLang="zh-CN" sz="1000" b="0" i="0" dirty="0">
-                <a:solidFill>
-                  <a:srgbClr val="222222"/>
-                </a:solidFill>
-                <a:effectLst/>
-                <a:latin typeface="Helvetica Neue"/>
-              </a:rPr>
-              <a:t>)</a:t>
-            </a:r>
+              <a:t>第二幕</a:t>
+            </a:r>
+          </a:p>
+          <a:p>
+            <a:pPr algn="l">
+              <a:buFont typeface="Arial" panose="020B0604020202020204" pitchFamily="34" charset="0"/>
+              <a:buChar char="•"/>
+            </a:pPr>
             <a:r>
               <a:rPr lang="zh-CN" altLang="en-US" sz="1000" b="0" i="0" dirty="0">
                 <a:solidFill>
                   <a:srgbClr val="222222"/>
                 </a:solidFill>
                 <a:effectLst/>
-                <a:latin typeface="Helvetica Neue"/>
+                <a:latin typeface="Helvetica Neue" panose="02000503000000020004" pitchFamily="2" charset="0"/>
               </a:rPr>
-              <a:t>他早就不抱任何希望，现在他只祈求永恒的毁灭、一了百了。</a:t>
-            </a:r>
-            <a:endParaRPr lang="en-US" altLang="zh-CN" sz="1000" b="0" i="0" dirty="0">
-              <a:solidFill>
-                <a:srgbClr val="222222"/>
-              </a:solidFill>
-              <a:effectLst/>
-              <a:latin typeface="Helvetica Neue"/>
-            </a:endParaRPr>
-          </a:p>
-          <a:p>
-            <a:pPr algn="l">
-              <a:buFont typeface="Arial" panose="020B0604020202020204" pitchFamily="34" charset="0"/>
-              <a:buChar char="•"/>
-            </a:pPr>
-            <a:endParaRPr lang="zh-CN" altLang="en-US" sz="1000" b="0" i="0" dirty="0">
-              <a:solidFill>
-                <a:srgbClr val="222222"/>
-              </a:solidFill>
-              <a:effectLst/>
-              <a:latin typeface="Helvetica Neue"/>
-            </a:endParaRPr>
-          </a:p>
-          <a:p>
-            <a:pPr algn="l">
-              <a:buFont typeface="Arial" panose="020B0604020202020204" pitchFamily="34" charset="0"/>
-              <a:buChar char="•"/>
-            </a:pPr>
-            <a:r>
-              <a:rPr lang="zh-CN" altLang="en-US" sz="1000" b="0" i="0" dirty="0">
-                <a:solidFill>
-                  <a:srgbClr val="222222"/>
-                </a:solidFill>
-                <a:effectLst/>
-                <a:latin typeface="Helvetica Neue"/>
-              </a:rPr>
-              <a:t>挪威船长达朗德休息过后，回到甲板上视察状况，却见到旁边停了一艘气氛鬼魅的大船、还有一位面容憔悴的男子。他询问起对方的来历，荷兰船长幽幽地 说：他来自遥远不知名的地方，这次上岸只求再次寻得一位真心爱他的女子。同时荷兰船长也问到：达朗德是否愿意邀请他到家中小歇一番</a:t>
-            </a:r>
-            <a:r>
-              <a:rPr lang="en-US" altLang="zh-CN" sz="1000" b="0" i="0" dirty="0">
-                <a:solidFill>
-                  <a:srgbClr val="222222"/>
-                </a:solidFill>
-                <a:effectLst/>
-                <a:latin typeface="Helvetica Neue"/>
-              </a:rPr>
-              <a:t>?</a:t>
-            </a:r>
-            <a:r>
-              <a:rPr lang="zh-CN" altLang="en-US" sz="1000" b="0" i="0" dirty="0">
-                <a:solidFill>
-                  <a:srgbClr val="222222"/>
-                </a:solidFill>
-                <a:effectLst/>
-                <a:latin typeface="Helvetica Neue"/>
-              </a:rPr>
-              <a:t>如果愿意的话，荷兰船 长将有金银珠宝相赠。达朗德眼见财宝当前，满心欢喜就答应了下来</a:t>
-            </a:r>
-            <a:r>
-              <a:rPr lang="en-US" altLang="zh-CN" sz="1000" b="0" i="0" dirty="0">
-                <a:solidFill>
-                  <a:srgbClr val="222222"/>
-                </a:solidFill>
-                <a:effectLst/>
-                <a:latin typeface="Helvetica Neue"/>
-              </a:rPr>
-              <a:t>;</a:t>
-            </a:r>
-            <a:r>
-              <a:rPr lang="zh-CN" altLang="en-US" sz="1000" b="0" i="0" dirty="0">
-                <a:solidFill>
-                  <a:srgbClr val="222222"/>
-                </a:solidFill>
-                <a:effectLst/>
-                <a:latin typeface="Helvetica Neue"/>
-              </a:rPr>
-              <a:t>而荷兰船长又提出了第二个请求：达朗德家中是否有女儿</a:t>
-            </a:r>
-            <a:r>
-              <a:rPr lang="en-US" altLang="zh-CN" sz="1000" b="0" i="0" dirty="0">
-                <a:solidFill>
-                  <a:srgbClr val="222222"/>
-                </a:solidFill>
-                <a:effectLst/>
-                <a:latin typeface="Helvetica Neue"/>
-              </a:rPr>
-              <a:t>?</a:t>
-            </a:r>
-            <a:r>
-              <a:rPr lang="zh-CN" altLang="en-US" sz="1000" b="0" i="0" dirty="0">
-                <a:solidFill>
-                  <a:srgbClr val="222222"/>
-                </a:solidFill>
-                <a:effectLst/>
-                <a:latin typeface="Helvetica Neue"/>
-              </a:rPr>
-              <a:t>有的话，可否引见介绍，或许能牵 成一段姻缘，到时荷兰船长身上的诅咒就可破解。达朗德心想，他只不过是为了避海上风雨来此暂歇，却意外地捡到了一笔财富和这位「准女婿」，于是他也满口答 应将从中搓合。 此时挪威船上的舵手高喊「南风再起</a:t>
-            </a:r>
-            <a:r>
-              <a:rPr lang="en-US" altLang="zh-CN" sz="1000" b="0" i="0" dirty="0">
-                <a:solidFill>
-                  <a:srgbClr val="222222"/>
-                </a:solidFill>
-                <a:effectLst/>
-                <a:latin typeface="Helvetica Neue"/>
-              </a:rPr>
-              <a:t>!</a:t>
-            </a:r>
-            <a:r>
-              <a:rPr lang="zh-CN" altLang="en-US" sz="1000" b="0" i="0" dirty="0">
-                <a:solidFill>
-                  <a:srgbClr val="222222"/>
-                </a:solidFill>
-                <a:effectLst/>
-                <a:latin typeface="Helvetica Neue"/>
-              </a:rPr>
-              <a:t>」，于是水手们忙着收锚启航回家，在挪威船长的带领下，荷兰船长的幽灵船也尾随在后，前往达朗德家中「提亲」。</a:t>
+              <a:t>在地牢里，弗洛伦斯坦出现幻觉，看到妻子利奥诺拉像天使一样出现了。利奥诺拉请求罗可，给这囚犯一点酒和面包。他很快就认出了囚犯就是自己的丈夫， 但弗洛伦斯坦却没有认出她。皮扎罗来了，弗洛伦斯坦与之争论起来。皮扎罗手里拿着匕首上前。 突然，利奥诺拉上前插在二人之间，拿出一支手枪顶住皮扎罗。千钧一发之际，嘹亮的小号声宣布着大臣来了。皮扎罗要逃跑。弗洛伦斯坦和利奥诺拉得救了，互相 拥抱。大臣认出了弗洛伦斯坦，查出了真情，释放了监狱的囚犯。</a:t>
             </a:r>
           </a:p>
         </p:txBody>
@@ -4001,7 +4025,7 @@
         </p:blipFill>
         <p:spPr>
           <a:xfrm>
-            <a:off x="633574" y="4228052"/>
+            <a:off x="656723" y="4054431"/>
             <a:ext cx="3928513" cy="2327946"/>
           </a:xfrm>
           <a:prstGeom prst="rect">
